--- a/yangify/yangify_pics.pptx
+++ b/yangify/yangify_pics.pptx
@@ -5,10 +5,11 @@
     <p:sldMasterId id="2147483648" r:id="rId1"/>
   </p:sldMasterIdLst>
   <p:notesMasterIdLst>
-    <p:notesMasterId r:id="rId3"/>
+    <p:notesMasterId r:id="rId4"/>
   </p:notesMasterIdLst>
   <p:sldIdLst>
-    <p:sldId id="256" r:id="rId2"/>
+    <p:sldId id="258" r:id="rId2"/>
+    <p:sldId id="259" r:id="rId3"/>
   </p:sldIdLst>
   <p:sldSz cx="12192000" cy="6858000"/>
   <p:notesSz cx="6858000" cy="9144000"/>
@@ -107,6 +108,11 @@
       </a:defRPr>
     </a:lvl9pPr>
   </p:defaultTextStyle>
+  <p:extLst>
+    <p:ext uri="{EFAFB233-063F-42B5-8137-9DF3F51BA10A}">
+      <p15:sldGuideLst xmlns:p15="http://schemas.microsoft.com/office/powerpoint/2012/main"/>
+    </p:ext>
+  </p:extLst>
 </p:presentation>
 </file>
 
@@ -192,7 +198,7 @@
           <a:p>
             <a:fld id="{FC69198D-5B93-8446-B536-42C10CAEA92D}" type="datetimeFigureOut">
               <a:rPr lang="en-US" smtClean="0"/>
-              <a:t>9/8/19</a:t>
+              <a:t>9/13/19</a:t>
             </a:fld>
             <a:endParaRPr lang="en-US"/>
           </a:p>
@@ -534,7 +540,91 @@
     </p:spTree>
     <p:extLst>
       <p:ext uri="{BB962C8B-B14F-4D97-AF65-F5344CB8AC3E}">
-        <p14:creationId xmlns:p14="http://schemas.microsoft.com/office/powerpoint/2010/main" val="469899772"/>
+        <p14:creationId xmlns:p14="http://schemas.microsoft.com/office/powerpoint/2010/main" val="1558923177"/>
+      </p:ext>
+    </p:extLst>
+  </p:cSld>
+  <p:clrMapOvr>
+    <a:masterClrMapping/>
+  </p:clrMapOvr>
+</p:notes>
+</file>
+
+<file path=ppt/notesSlides/notesSlide2.xml><?xml version="1.0" encoding="utf-8"?>
+<p:notes xmlns:a="http://schemas.openxmlformats.org/drawingml/2006/main" xmlns:r="http://schemas.openxmlformats.org/officeDocument/2006/relationships" xmlns:p="http://schemas.openxmlformats.org/presentationml/2006/main">
+  <p:cSld>
+    <p:spTree>
+      <p:nvGrpSpPr>
+        <p:cNvPr id="1" name=""/>
+        <p:cNvGrpSpPr/>
+        <p:nvPr/>
+      </p:nvGrpSpPr>
+      <p:grpSpPr>
+        <a:xfrm>
+          <a:off x="0" y="0"/>
+          <a:ext cx="0" cy="0"/>
+          <a:chOff x="0" y="0"/>
+          <a:chExt cx="0" cy="0"/>
+        </a:xfrm>
+      </p:grpSpPr>
+      <p:sp>
+        <p:nvSpPr>
+          <p:cNvPr id="2" name="Slide Image Placeholder 1"/>
+          <p:cNvSpPr>
+            <a:spLocks noGrp="1" noRot="1" noChangeAspect="1"/>
+          </p:cNvSpPr>
+          <p:nvPr>
+            <p:ph type="sldImg"/>
+          </p:nvPr>
+        </p:nvSpPr>
+        <p:spPr/>
+      </p:sp>
+      <p:sp>
+        <p:nvSpPr>
+          <p:cNvPr id="3" name="Notes Placeholder 2"/>
+          <p:cNvSpPr>
+            <a:spLocks noGrp="1"/>
+          </p:cNvSpPr>
+          <p:nvPr>
+            <p:ph type="body" idx="1"/>
+          </p:nvPr>
+        </p:nvSpPr>
+        <p:spPr/>
+        <p:txBody>
+          <a:bodyPr/>
+          <a:lstStyle/>
+          <a:p>
+            <a:endParaRPr lang="en-US" dirty="0"/>
+          </a:p>
+        </p:txBody>
+      </p:sp>
+      <p:sp>
+        <p:nvSpPr>
+          <p:cNvPr id="4" name="Slide Number Placeholder 3"/>
+          <p:cNvSpPr>
+            <a:spLocks noGrp="1"/>
+          </p:cNvSpPr>
+          <p:nvPr>
+            <p:ph type="sldNum" sz="quarter" idx="5"/>
+          </p:nvPr>
+        </p:nvSpPr>
+        <p:spPr/>
+        <p:txBody>
+          <a:bodyPr/>
+          <a:lstStyle/>
+          <a:p>
+            <a:fld id="{5FA5A446-5C2C-C044-85D7-D91DBAC729DA}" type="slidenum">
+              <a:rPr lang="en-US" smtClean="0"/>
+              <a:t>2</a:t>
+            </a:fld>
+            <a:endParaRPr lang="en-US"/>
+          </a:p>
+        </p:txBody>
+      </p:sp>
+    </p:spTree>
+    <p:extLst>
+      <p:ext uri="{BB962C8B-B14F-4D97-AF65-F5344CB8AC3E}">
+        <p14:creationId xmlns:p14="http://schemas.microsoft.com/office/powerpoint/2010/main" val="2444910180"/>
       </p:ext>
     </p:extLst>
   </p:cSld>
@@ -693,7 +783,7 @@
           <a:p>
             <a:fld id="{C140BDA6-78C7-4640-891A-4148D4BEA2F2}" type="datetimeFigureOut">
               <a:rPr lang="en-US" smtClean="0"/>
-              <a:t>9/8/19</a:t>
+              <a:t>9/13/19</a:t>
             </a:fld>
             <a:endParaRPr lang="en-US"/>
           </a:p>
@@ -893,7 +983,7 @@
           <a:p>
             <a:fld id="{C140BDA6-78C7-4640-891A-4148D4BEA2F2}" type="datetimeFigureOut">
               <a:rPr lang="en-US" smtClean="0"/>
-              <a:t>9/8/19</a:t>
+              <a:t>9/13/19</a:t>
             </a:fld>
             <a:endParaRPr lang="en-US"/>
           </a:p>
@@ -1103,7 +1193,7 @@
           <a:p>
             <a:fld id="{C140BDA6-78C7-4640-891A-4148D4BEA2F2}" type="datetimeFigureOut">
               <a:rPr lang="en-US" smtClean="0"/>
-              <a:t>9/8/19</a:t>
+              <a:t>9/13/19</a:t>
             </a:fld>
             <a:endParaRPr lang="en-US"/>
           </a:p>
@@ -1303,7 +1393,7 @@
           <a:p>
             <a:fld id="{C140BDA6-78C7-4640-891A-4148D4BEA2F2}" type="datetimeFigureOut">
               <a:rPr lang="en-US" smtClean="0"/>
-              <a:t>9/8/19</a:t>
+              <a:t>9/13/19</a:t>
             </a:fld>
             <a:endParaRPr lang="en-US"/>
           </a:p>
@@ -1579,7 +1669,7 @@
           <a:p>
             <a:fld id="{C140BDA6-78C7-4640-891A-4148D4BEA2F2}" type="datetimeFigureOut">
               <a:rPr lang="en-US" smtClean="0"/>
-              <a:t>9/8/19</a:t>
+              <a:t>9/13/19</a:t>
             </a:fld>
             <a:endParaRPr lang="en-US"/>
           </a:p>
@@ -1847,7 +1937,7 @@
           <a:p>
             <a:fld id="{C140BDA6-78C7-4640-891A-4148D4BEA2F2}" type="datetimeFigureOut">
               <a:rPr lang="en-US" smtClean="0"/>
-              <a:t>9/8/19</a:t>
+              <a:t>9/13/19</a:t>
             </a:fld>
             <a:endParaRPr lang="en-US"/>
           </a:p>
@@ -2262,7 +2352,7 @@
           <a:p>
             <a:fld id="{C140BDA6-78C7-4640-891A-4148D4BEA2F2}" type="datetimeFigureOut">
               <a:rPr lang="en-US" smtClean="0"/>
-              <a:t>9/8/19</a:t>
+              <a:t>9/13/19</a:t>
             </a:fld>
             <a:endParaRPr lang="en-US"/>
           </a:p>
@@ -2404,7 +2494,7 @@
           <a:p>
             <a:fld id="{C140BDA6-78C7-4640-891A-4148D4BEA2F2}" type="datetimeFigureOut">
               <a:rPr lang="en-US" smtClean="0"/>
-              <a:t>9/8/19</a:t>
+              <a:t>9/13/19</a:t>
             </a:fld>
             <a:endParaRPr lang="en-US"/>
           </a:p>
@@ -2517,7 +2607,7 @@
           <a:p>
             <a:fld id="{C140BDA6-78C7-4640-891A-4148D4BEA2F2}" type="datetimeFigureOut">
               <a:rPr lang="en-US" smtClean="0"/>
-              <a:t>9/8/19</a:t>
+              <a:t>9/13/19</a:t>
             </a:fld>
             <a:endParaRPr lang="en-US"/>
           </a:p>
@@ -2830,7 +2920,7 @@
           <a:p>
             <a:fld id="{C140BDA6-78C7-4640-891A-4148D4BEA2F2}" type="datetimeFigureOut">
               <a:rPr lang="en-US" smtClean="0"/>
-              <a:t>9/8/19</a:t>
+              <a:t>9/13/19</a:t>
             </a:fld>
             <a:endParaRPr lang="en-US"/>
           </a:p>
@@ -3119,7 +3209,7 @@
           <a:p>
             <a:fld id="{C140BDA6-78C7-4640-891A-4148D4BEA2F2}" type="datetimeFigureOut">
               <a:rPr lang="en-US" smtClean="0"/>
-              <a:t>9/8/19</a:t>
+              <a:t>9/13/19</a:t>
             </a:fld>
             <a:endParaRPr lang="en-US"/>
           </a:p>
@@ -3362,7 +3452,7 @@
           <a:p>
             <a:fld id="{C140BDA6-78C7-4640-891A-4148D4BEA2F2}" type="datetimeFigureOut">
               <a:rPr lang="en-US" smtClean="0"/>
-              <a:t>9/8/19</a:t>
+              <a:t>9/13/19</a:t>
             </a:fld>
             <a:endParaRPr lang="en-US"/>
           </a:p>
@@ -3793,7 +3883,7 @@
         </p:nvSpPr>
         <p:spPr>
           <a:xfrm>
-            <a:off x="555812" y="-468808"/>
+            <a:off x="506300" y="-497071"/>
             <a:ext cx="11636188" cy="7657008"/>
           </a:xfrm>
           <a:prstGeom prst="rect">
@@ -3994,7 +4084,7 @@
         </p:nvSpPr>
         <p:spPr>
           <a:xfrm rot="3028227">
-            <a:off x="-539608" y="-3848598"/>
+            <a:off x="-511080" y="-3675280"/>
             <a:ext cx="3049707" cy="7218300"/>
           </a:xfrm>
           <a:prstGeom prst="moon">
@@ -4048,7 +4138,7 @@
         </p:nvSpPr>
         <p:spPr>
           <a:xfrm>
-            <a:off x="-545928" y="-4831612"/>
+            <a:off x="163122" y="-4802697"/>
             <a:ext cx="14116298" cy="4830883"/>
           </a:xfrm>
           <a:prstGeom prst="rect">
@@ -4100,7 +4190,7 @@
         </p:nvSpPr>
         <p:spPr>
           <a:xfrm rot="5400000">
-            <a:off x="-8280203" y="290001"/>
+            <a:off x="-8020767" y="506736"/>
             <a:ext cx="14116298" cy="3555732"/>
           </a:xfrm>
           <a:prstGeom prst="rect">
@@ -4138,12 +4228,150 @@
           </a:p>
         </p:txBody>
       </p:sp>
+      <p:sp>
+        <p:nvSpPr>
+          <p:cNvPr id="22" name="Rectangle 21">
+            <a:extLst>
+              <a:ext uri="{FF2B5EF4-FFF2-40B4-BE49-F238E27FC236}">
+                <a16:creationId xmlns:a16="http://schemas.microsoft.com/office/drawing/2014/main" id="{0A9DDE20-4F4D-B149-A51B-2738F8F3B2AD}"/>
+              </a:ext>
+            </a:extLst>
+          </p:cNvPr>
+          <p:cNvSpPr/>
+          <p:nvPr/>
+        </p:nvSpPr>
+        <p:spPr>
+          <a:xfrm>
+            <a:off x="2458135" y="253277"/>
+            <a:ext cx="8021940" cy="2031325"/>
+          </a:xfrm>
+          <a:prstGeom prst="rect">
+            <a:avLst/>
+          </a:prstGeom>
+          <a:noFill/>
+        </p:spPr>
+        <p:txBody>
+          <a:bodyPr wrap="none" lIns="91440" tIns="45720" rIns="91440" bIns="45720">
+            <a:spAutoFit/>
+          </a:bodyPr>
+          <a:lstStyle/>
+          <a:p>
+            <a:pPr algn="ctr"/>
+            <a:r>
+              <a:rPr lang="en-GB" sz="4400" b="1" i="1" dirty="0">
+                <a:ln w="22225">
+                  <a:solidFill>
+                    <a:schemeClr val="bg1"/>
+                  </a:solidFill>
+                  <a:prstDash val="solid"/>
+                </a:ln>
+                <a:solidFill>
+                  <a:srgbClr val="7DCBF6"/>
+                </a:solidFill>
+              </a:rPr>
+              <a:t>REPLACE “ANDREW YANG”</a:t>
+            </a:r>
+            <a:r>
+              <a:rPr lang="en-GB" sz="5400" b="1" i="1" dirty="0">
+                <a:ln w="22225">
+                  <a:solidFill>
+                    <a:schemeClr val="bg1"/>
+                  </a:solidFill>
+                  <a:prstDash val="solid"/>
+                </a:ln>
+                <a:solidFill>
+                  <a:srgbClr val="7DCBF6"/>
+                </a:solidFill>
+              </a:rPr>
+              <a:t> </a:t>
+            </a:r>
+            <a:r>
+              <a:rPr lang="en-GB" sz="4400" b="1" i="1" dirty="0">
+                <a:ln w="22225">
+                  <a:solidFill>
+                    <a:schemeClr val="bg1"/>
+                  </a:solidFill>
+                  <a:prstDash val="solid"/>
+                </a:ln>
+                <a:solidFill>
+                  <a:srgbClr val="7DCBF6"/>
+                </a:solidFill>
+              </a:rPr>
+              <a:t>WITH</a:t>
+            </a:r>
+            <a:r>
+              <a:rPr lang="en-GB" sz="5400" b="1" i="1" dirty="0">
+                <a:ln w="22225">
+                  <a:solidFill>
+                    <a:schemeClr val="bg1"/>
+                  </a:solidFill>
+                  <a:prstDash val="solid"/>
+                </a:ln>
+                <a:solidFill>
+                  <a:srgbClr val="7DCBF6"/>
+                </a:solidFill>
+              </a:rPr>
+              <a:t> </a:t>
+            </a:r>
+          </a:p>
+          <a:p>
+            <a:pPr algn="ctr"/>
+            <a:r>
+              <a:rPr lang="en-GB" sz="6000" b="1" dirty="0">
+                <a:ln w="22225">
+                  <a:solidFill>
+                    <a:schemeClr val="bg1"/>
+                  </a:solidFill>
+                  <a:prstDash val="solid"/>
+                </a:ln>
+                <a:solidFill>
+                  <a:srgbClr val="FF0000"/>
+                </a:solidFill>
+              </a:rPr>
+              <a:t> </a:t>
+            </a:r>
+            <a:r>
+              <a:rPr lang="en-GB" sz="7200" b="1" dirty="0">
+                <a:ln w="22225">
+                  <a:solidFill>
+                    <a:schemeClr val="bg1"/>
+                  </a:solidFill>
+                  <a:prstDash val="solid"/>
+                </a:ln>
+                <a:solidFill>
+                  <a:srgbClr val="FF0000"/>
+                </a:solidFill>
+              </a:rPr>
+              <a:t>“YANG GANG”</a:t>
+            </a:r>
+            <a:endParaRPr lang="en-GB" sz="6000" b="1" cap="none" spc="0" dirty="0">
+              <a:ln w="9525">
+                <a:solidFill>
+                  <a:schemeClr val="bg1"/>
+                </a:solidFill>
+                <a:prstDash val="solid"/>
+              </a:ln>
+              <a:solidFill>
+                <a:srgbClr val="FF0000"/>
+              </a:solidFill>
+              <a:effectLst>
+                <a:outerShdw blurRad="12700" dist="38100" dir="2700000" algn="tl" rotWithShape="0">
+                  <a:schemeClr val="accent5">
+                    <a:lumMod val="60000"/>
+                    <a:lumOff val="40000"/>
+                  </a:schemeClr>
+                </a:outerShdw>
+              </a:effectLst>
+            </a:endParaRPr>
+          </a:p>
+        </p:txBody>
+      </p:sp>
       <p:grpSp>
         <p:nvGrpSpPr>
-          <p:cNvPr id="37" name="Group 36">
-            <a:extLst>
-              <a:ext uri="{FF2B5EF4-FFF2-40B4-BE49-F238E27FC236}">
-                <a16:creationId xmlns:a16="http://schemas.microsoft.com/office/drawing/2014/main" id="{4EC4435B-77E7-7946-9074-7ADBF3CF13AF}"/>
+          <p:cNvPr id="10" name="Group 9">
+            <a:extLst>
+              <a:ext uri="{FF2B5EF4-FFF2-40B4-BE49-F238E27FC236}">
+                <a16:creationId xmlns:a16="http://schemas.microsoft.com/office/drawing/2014/main" id="{6E6EB12E-2C48-8548-BEFC-492CBD5B2976}"/>
               </a:ext>
             </a:extLst>
           </p:cNvPr>
@@ -4152,18 +4380,18 @@
         </p:nvGrpSpPr>
         <p:grpSpPr>
           <a:xfrm>
-            <a:off x="1191225" y="1560035"/>
-            <a:ext cx="10037592" cy="4057614"/>
-            <a:chOff x="1109730" y="1076196"/>
-            <a:chExt cx="10037592" cy="4057614"/>
+            <a:off x="1387007" y="2505374"/>
+            <a:ext cx="10085634" cy="3608976"/>
+            <a:chOff x="1387007" y="2575397"/>
+            <a:chExt cx="10085634" cy="3608976"/>
           </a:xfrm>
         </p:grpSpPr>
         <p:grpSp>
           <p:nvGrpSpPr>
-            <p:cNvPr id="24" name="Group 23">
+            <p:cNvPr id="4" name="Group 3">
               <a:extLst>
                 <a:ext uri="{FF2B5EF4-FFF2-40B4-BE49-F238E27FC236}">
-                  <a16:creationId xmlns:a16="http://schemas.microsoft.com/office/drawing/2014/main" id="{E4A7284C-88FC-5F4C-B3E2-59BA8F7F050A}"/>
+                  <a16:creationId xmlns:a16="http://schemas.microsoft.com/office/drawing/2014/main" id="{5454B3CD-A3C1-4442-83DF-9EDE4407108E}"/>
                 </a:ext>
               </a:extLst>
             </p:cNvPr>
@@ -4172,250 +4400,285 @@
           </p:nvGrpSpPr>
           <p:grpSpPr>
             <a:xfrm>
-              <a:off x="7007040" y="1076196"/>
-              <a:ext cx="3253850" cy="1086520"/>
-              <a:chOff x="7024562" y="397382"/>
-              <a:chExt cx="3253850" cy="1086520"/>
+              <a:off x="1387007" y="2575397"/>
+              <a:ext cx="10085634" cy="3608976"/>
+              <a:chOff x="1154012" y="2179348"/>
+              <a:chExt cx="10085634" cy="3608976"/>
             </a:xfrm>
           </p:grpSpPr>
-          <p:sp>
-            <p:nvSpPr>
-              <p:cNvPr id="9" name="Rectangle 8">
+          <p:grpSp>
+            <p:nvGrpSpPr>
+              <p:cNvPr id="37" name="Group 36">
                 <a:extLst>
                   <a:ext uri="{FF2B5EF4-FFF2-40B4-BE49-F238E27FC236}">
-                    <a16:creationId xmlns:a16="http://schemas.microsoft.com/office/drawing/2014/main" id="{13427AC3-3A20-2549-B52B-31D9B775205C}"/>
+                    <a16:creationId xmlns:a16="http://schemas.microsoft.com/office/drawing/2014/main" id="{4EC4435B-77E7-7946-9074-7ADBF3CF13AF}"/>
                   </a:ext>
                 </a:extLst>
               </p:cNvPr>
-              <p:cNvSpPr/>
+              <p:cNvGrpSpPr/>
               <p:nvPr/>
-            </p:nvSpPr>
-            <p:spPr>
+            </p:nvGrpSpPr>
+            <p:grpSpPr>
               <a:xfrm>
-                <a:off x="7024562" y="468239"/>
-                <a:ext cx="2193228" cy="1015663"/>
+                <a:off x="1154012" y="2182247"/>
+                <a:ext cx="8293350" cy="3579097"/>
+                <a:chOff x="1072517" y="1698408"/>
+                <a:chExt cx="8293350" cy="3579097"/>
               </a:xfrm>
-              <a:prstGeom prst="rect">
-                <a:avLst/>
-              </a:prstGeom>
-              <a:noFill/>
-            </p:spPr>
-            <p:txBody>
-              <a:bodyPr wrap="none" lIns="91440" tIns="45720" rIns="91440" bIns="45720">
-                <a:spAutoFit/>
-              </a:bodyPr>
-              <a:lstStyle/>
-              <a:p>
-                <a:pPr algn="ctr"/>
-                <a:r>
-                  <a:rPr lang="en-GB" sz="6000" b="1" dirty="0">
+            </p:grpSpPr>
+            <p:sp>
+              <p:nvSpPr>
+                <p:cNvPr id="9" name="Rectangle 8">
+                  <a:extLst>
+                    <a:ext uri="{FF2B5EF4-FFF2-40B4-BE49-F238E27FC236}">
+                      <a16:creationId xmlns:a16="http://schemas.microsoft.com/office/drawing/2014/main" id="{13427AC3-3A20-2549-B52B-31D9B775205C}"/>
+                    </a:ext>
+                  </a:extLst>
+                </p:cNvPr>
+                <p:cNvSpPr/>
+                <p:nvPr/>
+              </p:nvSpPr>
+              <p:spPr>
+                <a:xfrm>
+                  <a:off x="7574992" y="1698408"/>
+                  <a:ext cx="1790875" cy="830997"/>
+                </a:xfrm>
+                <a:prstGeom prst="rect">
+                  <a:avLst/>
+                </a:prstGeom>
+                <a:noFill/>
+              </p:spPr>
+              <p:txBody>
+                <a:bodyPr wrap="none" lIns="91440" tIns="45720" rIns="91440" bIns="45720">
+                  <a:spAutoFit/>
+                </a:bodyPr>
+                <a:lstStyle/>
+                <a:p>
+                  <a:pPr algn="ctr"/>
+                  <a:r>
+                    <a:rPr lang="en-GB" sz="4800" b="1" dirty="0">
+                      <a:ln w="22225">
+                        <a:solidFill>
+                          <a:srgbClr val="FF0000"/>
+                        </a:solidFill>
+                        <a:prstDash val="solid"/>
+                      </a:ln>
+                      <a:solidFill>
+                        <a:schemeClr val="bg1"/>
+                      </a:solidFill>
+                    </a:rPr>
+                    <a:t>AFTER</a:t>
+                  </a:r>
+                  <a:endParaRPr lang="en-GB" sz="4800" b="1" cap="none" spc="0" dirty="0">
                     <a:ln w="22225">
                       <a:solidFill>
-                        <a:schemeClr val="bg1"/>
+                        <a:srgbClr val="FF0000"/>
                       </a:solidFill>
                       <a:prstDash val="solid"/>
                     </a:ln>
                     <a:solidFill>
-                      <a:srgbClr val="FF0000"/>
-                    </a:solidFill>
-                  </a:rPr>
-                  <a:t>AFTER</a:t>
-                </a:r>
-                <a:endParaRPr lang="en-GB" sz="5400" b="1" cap="none" spc="0" dirty="0">
-                  <a:ln w="22225">
-                    <a:solidFill>
                       <a:schemeClr val="bg1"/>
                     </a:solidFill>
-                    <a:prstDash val="solid"/>
-                  </a:ln>
-                  <a:solidFill>
-                    <a:srgbClr val="FF0000"/>
-                  </a:solidFill>
-                  <a:effectLst>
-                    <a:outerShdw blurRad="12700" dist="38100" dir="2700000" algn="tl" rotWithShape="0">
-                      <a:schemeClr val="accent5">
-                        <a:lumMod val="60000"/>
-                        <a:lumOff val="40000"/>
-                      </a:schemeClr>
-                    </a:outerShdw>
-                  </a:effectLst>
-                </a:endParaRPr>
-              </a:p>
-            </p:txBody>
-          </p:sp>
-          <p:pic>
-            <p:nvPicPr>
-              <p:cNvPr id="14" name="Picture 13" descr="A person with hat&#10;&#10;Description automatically generated">
-                <a:extLst>
-                  <a:ext uri="{FF2B5EF4-FFF2-40B4-BE49-F238E27FC236}">
-                    <a16:creationId xmlns:a16="http://schemas.microsoft.com/office/drawing/2014/main" id="{CFC366DC-EF3B-0C4B-9CE9-47B5C86E819B}"/>
-                  </a:ext>
-                </a:extLst>
-              </p:cNvPr>
-              <p:cNvPicPr>
-                <a:picLocks noChangeAspect="1"/>
-              </p:cNvPicPr>
-              <p:nvPr/>
-            </p:nvPicPr>
-            <p:blipFill>
-              <a:blip r:embed="rId3"/>
-              <a:stretch>
-                <a:fillRect/>
-              </a:stretch>
-            </p:blipFill>
-            <p:spPr>
-              <a:xfrm>
-                <a:off x="9262748" y="397382"/>
-                <a:ext cx="1015664" cy="1015664"/>
-              </a:xfrm>
-              <a:prstGeom prst="rect">
-                <a:avLst/>
-              </a:prstGeom>
-            </p:spPr>
-          </p:pic>
-        </p:grpSp>
-        <p:grpSp>
-          <p:nvGrpSpPr>
-            <p:cNvPr id="23" name="Group 22">
-              <a:extLst>
-                <a:ext uri="{FF2B5EF4-FFF2-40B4-BE49-F238E27FC236}">
-                  <a16:creationId xmlns:a16="http://schemas.microsoft.com/office/drawing/2014/main" id="{FDE8CA4C-CA70-514A-90E0-EA26A6A2F426}"/>
-                </a:ext>
-              </a:extLst>
-            </p:cNvPr>
-            <p:cNvGrpSpPr/>
-            <p:nvPr/>
-          </p:nvGrpSpPr>
-          <p:grpSpPr>
-            <a:xfrm>
-              <a:off x="1384436" y="1230945"/>
-              <a:ext cx="3682548" cy="1037304"/>
-              <a:chOff x="1218125" y="425190"/>
-              <a:chExt cx="3682548" cy="1037304"/>
-            </a:xfrm>
-          </p:grpSpPr>
-          <p:sp>
-            <p:nvSpPr>
-              <p:cNvPr id="8" name="Rectangle 7">
-                <a:extLst>
-                  <a:ext uri="{FF2B5EF4-FFF2-40B4-BE49-F238E27FC236}">
-                    <a16:creationId xmlns:a16="http://schemas.microsoft.com/office/drawing/2014/main" id="{46825DBD-30EC-F845-A493-E5E7DC9A9EC2}"/>
-                  </a:ext>
-                </a:extLst>
-              </p:cNvPr>
-              <p:cNvSpPr/>
-              <p:nvPr/>
-            </p:nvSpPr>
-            <p:spPr>
-              <a:xfrm>
-                <a:off x="1218125" y="425190"/>
-                <a:ext cx="2666884" cy="1015663"/>
-              </a:xfrm>
-              <a:prstGeom prst="rect">
-                <a:avLst/>
-              </a:prstGeom>
-              <a:noFill/>
-            </p:spPr>
-            <p:txBody>
-              <a:bodyPr wrap="none" lIns="91440" tIns="45720" rIns="91440" bIns="45720">
-                <a:spAutoFit/>
-              </a:bodyPr>
-              <a:lstStyle/>
-              <a:p>
-                <a:pPr algn="ctr"/>
-                <a:r>
-                  <a:rPr lang="en-GB" sz="6000" b="1" dirty="0">
+                    <a:effectLst>
+                      <a:outerShdw blurRad="12700" dist="38100" dir="2700000" algn="tl" rotWithShape="0">
+                        <a:schemeClr val="accent5">
+                          <a:lumMod val="60000"/>
+                          <a:lumOff val="40000"/>
+                        </a:schemeClr>
+                      </a:outerShdw>
+                    </a:effectLst>
+                  </a:endParaRPr>
+                </a:p>
+              </p:txBody>
+            </p:sp>
+            <p:sp>
+              <p:nvSpPr>
+                <p:cNvPr id="8" name="Rectangle 7">
+                  <a:extLst>
+                    <a:ext uri="{FF2B5EF4-FFF2-40B4-BE49-F238E27FC236}">
+                      <a16:creationId xmlns:a16="http://schemas.microsoft.com/office/drawing/2014/main" id="{46825DBD-30EC-F845-A493-E5E7DC9A9EC2}"/>
+                    </a:ext>
+                  </a:extLst>
+                </p:cNvPr>
+                <p:cNvSpPr/>
+                <p:nvPr/>
+              </p:nvSpPr>
+              <p:spPr>
+                <a:xfrm>
+                  <a:off x="2042584" y="1782988"/>
+                  <a:ext cx="2169505" cy="830997"/>
+                </a:xfrm>
+                <a:prstGeom prst="rect">
+                  <a:avLst/>
+                </a:prstGeom>
+                <a:noFill/>
+              </p:spPr>
+              <p:txBody>
+                <a:bodyPr wrap="none" lIns="91440" tIns="45720" rIns="91440" bIns="45720">
+                  <a:spAutoFit/>
+                </a:bodyPr>
+                <a:lstStyle/>
+                <a:p>
+                  <a:pPr algn="ctr"/>
+                  <a:r>
+                    <a:rPr lang="en-GB" sz="4800" b="1" dirty="0">
+                      <a:ln w="22225">
+                        <a:solidFill>
+                          <a:srgbClr val="FF0000"/>
+                        </a:solidFill>
+                        <a:prstDash val="solid"/>
+                      </a:ln>
+                      <a:solidFill>
+                        <a:schemeClr val="bg1"/>
+                      </a:solidFill>
+                    </a:rPr>
+                    <a:t>BEFORE</a:t>
+                  </a:r>
+                  <a:endParaRPr lang="en-GB" sz="4800" b="1" cap="none" spc="0" dirty="0">
                     <a:ln w="22225">
                       <a:solidFill>
-                        <a:schemeClr val="bg1"/>
+                        <a:srgbClr val="FF0000"/>
                       </a:solidFill>
                       <a:prstDash val="solid"/>
                     </a:ln>
                     <a:solidFill>
+                      <a:schemeClr val="bg1"/>
+                    </a:solidFill>
+                    <a:effectLst>
+                      <a:outerShdw blurRad="12700" dist="38100" dir="2700000" algn="tl" rotWithShape="0">
+                        <a:schemeClr val="accent5">
+                          <a:lumMod val="60000"/>
+                          <a:lumOff val="40000"/>
+                        </a:schemeClr>
+                      </a:outerShdw>
+                    </a:effectLst>
+                  </a:endParaRPr>
+                </a:p>
+              </p:txBody>
+            </p:sp>
+            <p:grpSp>
+              <p:nvGrpSpPr>
+                <p:cNvPr id="36" name="Group 35">
+                  <a:extLst>
+                    <a:ext uri="{FF2B5EF4-FFF2-40B4-BE49-F238E27FC236}">
+                      <a16:creationId xmlns:a16="http://schemas.microsoft.com/office/drawing/2014/main" id="{D228AEB1-457A-0C4D-8D80-57B20F97230C}"/>
+                    </a:ext>
+                  </a:extLst>
+                </p:cNvPr>
+                <p:cNvGrpSpPr/>
+                <p:nvPr/>
+              </p:nvGrpSpPr>
+              <p:grpSpPr>
+                <a:xfrm>
+                  <a:off x="1072517" y="2818275"/>
+                  <a:ext cx="5300704" cy="2459230"/>
+                  <a:chOff x="1332833" y="1975472"/>
+                  <a:chExt cx="5300704" cy="2459230"/>
+                </a:xfrm>
+              </p:grpSpPr>
+              <p:pic>
+                <p:nvPicPr>
+                  <p:cNvPr id="7" name="Picture 6" descr="A screenshot of a computer&#10;&#10;Description automatically generated">
+                    <a:extLst>
+                      <a:ext uri="{FF2B5EF4-FFF2-40B4-BE49-F238E27FC236}">
+                        <a16:creationId xmlns:a16="http://schemas.microsoft.com/office/drawing/2014/main" id="{2FEDA6E0-F753-D344-BB18-4BD3B688E2D3}"/>
+                      </a:ext>
+                    </a:extLst>
+                  </p:cNvPr>
+                  <p:cNvPicPr>
+                    <a:picLocks noChangeAspect="1"/>
+                  </p:cNvPicPr>
+                  <p:nvPr/>
+                </p:nvPicPr>
+                <p:blipFill rotWithShape="1">
+                  <a:blip r:embed="rId3"/>
+                  <a:srcRect l="58001" t="28734" r="10044" b="43032"/>
+                  <a:stretch/>
+                </p:blipFill>
+                <p:spPr>
+                  <a:xfrm>
+                    <a:off x="1332833" y="1975472"/>
+                    <a:ext cx="4645563" cy="2459230"/>
+                  </a:xfrm>
+                  <a:prstGeom prst="rect">
+                    <a:avLst/>
+                  </a:prstGeom>
+                  <a:ln>
+                    <a:solidFill>
                       <a:srgbClr val="FF0000"/>
                     </a:solidFill>
-                  </a:rPr>
-                  <a:t>BEFORE</a:t>
-                </a:r>
-                <a:endParaRPr lang="en-GB" sz="6000" b="1" cap="none" spc="0" dirty="0">
-                  <a:ln w="9525">
+                  </a:ln>
+                </p:spPr>
+              </p:pic>
+              <p:sp>
+                <p:nvSpPr>
+                  <p:cNvPr id="34" name="Down Arrow 33">
+                    <a:extLst>
+                      <a:ext uri="{FF2B5EF4-FFF2-40B4-BE49-F238E27FC236}">
+                        <a16:creationId xmlns:a16="http://schemas.microsoft.com/office/drawing/2014/main" id="{1919610F-B0F0-BC41-8D01-0BA03815492F}"/>
+                      </a:ext>
+                    </a:extLst>
+                  </p:cNvPr>
+                  <p:cNvSpPr/>
+                  <p:nvPr/>
+                </p:nvSpPr>
+                <p:spPr>
+                  <a:xfrm rot="16200000">
+                    <a:off x="5797396" y="2818351"/>
+                    <a:ext cx="1123618" cy="548665"/>
+                  </a:xfrm>
+                  <a:prstGeom prst="downArrow">
+                    <a:avLst>
+                      <a:gd name="adj1" fmla="val 51985"/>
+                      <a:gd name="adj2" fmla="val 55570"/>
+                    </a:avLst>
+                  </a:prstGeom>
+                  <a:solidFill>
+                    <a:srgbClr val="FF0000"/>
+                  </a:solidFill>
+                  <a:ln>
                     <a:solidFill>
                       <a:schemeClr val="bg1"/>
                     </a:solidFill>
-                    <a:prstDash val="solid"/>
                   </a:ln>
-                  <a:solidFill>
-                    <a:srgbClr val="FF0000"/>
-                  </a:solidFill>
-                  <a:effectLst>
-                    <a:outerShdw blurRad="12700" dist="38100" dir="2700000" algn="tl" rotWithShape="0">
-                      <a:schemeClr val="accent5">
-                        <a:lumMod val="60000"/>
-                        <a:lumOff val="40000"/>
-                      </a:schemeClr>
-                    </a:outerShdw>
-                  </a:effectLst>
-                </a:endParaRPr>
-              </a:p>
-            </p:txBody>
-          </p:sp>
+                </p:spPr>
+                <p:style>
+                  <a:lnRef idx="2">
+                    <a:schemeClr val="accent1">
+                      <a:shade val="50000"/>
+                    </a:schemeClr>
+                  </a:lnRef>
+                  <a:fillRef idx="1">
+                    <a:schemeClr val="accent1"/>
+                  </a:fillRef>
+                  <a:effectRef idx="0">
+                    <a:schemeClr val="accent1"/>
+                  </a:effectRef>
+                  <a:fontRef idx="minor">
+                    <a:schemeClr val="lt1"/>
+                  </a:fontRef>
+                </p:style>
+                <p:txBody>
+                  <a:bodyPr rtlCol="0" anchor="ctr"/>
+                  <a:lstStyle/>
+                  <a:p>
+                    <a:pPr algn="ctr"/>
+                    <a:endParaRPr lang="en-US" dirty="0">
+                      <a:solidFill>
+                        <a:srgbClr val="FF0000"/>
+                      </a:solidFill>
+                    </a:endParaRPr>
+                  </a:p>
+                </p:txBody>
+              </p:sp>
+            </p:grpSp>
+          </p:grpSp>
           <p:pic>
             <p:nvPicPr>
-              <p:cNvPr id="16" name="Picture 15" descr="A person wearing glasses&#10;&#10;Description automatically generated">
+              <p:cNvPr id="38" name="Picture 37" descr="A screenshot of a computer&#10;&#10;Description automatically generated">
                 <a:extLst>
                   <a:ext uri="{FF2B5EF4-FFF2-40B4-BE49-F238E27FC236}">
-                    <a16:creationId xmlns:a16="http://schemas.microsoft.com/office/drawing/2014/main" id="{8FDCDAC2-6C28-574B-A30F-E74FE0790EDC}"/>
-                  </a:ext>
-                </a:extLst>
-              </p:cNvPr>
-              <p:cNvPicPr>
-                <a:picLocks noChangeAspect="1"/>
-              </p:cNvPicPr>
-              <p:nvPr/>
-            </p:nvPicPr>
-            <p:blipFill>
-              <a:blip r:embed="rId4"/>
-              <a:stretch>
-                <a:fillRect/>
-              </a:stretch>
-            </p:blipFill>
-            <p:spPr>
-              <a:xfrm>
-                <a:off x="3885009" y="446830"/>
-                <a:ext cx="1015664" cy="1015664"/>
-              </a:xfrm>
-              <a:prstGeom prst="rect">
-                <a:avLst/>
-              </a:prstGeom>
-            </p:spPr>
-          </p:pic>
-        </p:grpSp>
-        <p:grpSp>
-          <p:nvGrpSpPr>
-            <p:cNvPr id="36" name="Group 35">
-              <a:extLst>
-                <a:ext uri="{FF2B5EF4-FFF2-40B4-BE49-F238E27FC236}">
-                  <a16:creationId xmlns:a16="http://schemas.microsoft.com/office/drawing/2014/main" id="{D228AEB1-457A-0C4D-8D80-57B20F97230C}"/>
-                </a:ext>
-              </a:extLst>
-            </p:cNvPr>
-            <p:cNvGrpSpPr/>
-            <p:nvPr/>
-          </p:nvGrpSpPr>
-          <p:grpSpPr>
-            <a:xfrm>
-              <a:off x="1109730" y="2265600"/>
-              <a:ext cx="10037592" cy="2868210"/>
-              <a:chOff x="1370046" y="1422797"/>
-              <a:chExt cx="10037592" cy="2868210"/>
-            </a:xfrm>
-          </p:grpSpPr>
-          <p:pic>
-            <p:nvPicPr>
-              <p:cNvPr id="5" name="Picture 4" descr="A screenshot of a computer&#10;&#10;Description automatically generated">
-                <a:extLst>
-                  <a:ext uri="{FF2B5EF4-FFF2-40B4-BE49-F238E27FC236}">
-                    <a16:creationId xmlns:a16="http://schemas.microsoft.com/office/drawing/2014/main" id="{544C6A32-5865-614D-B177-9DD0823D5E03}"/>
+                    <a16:creationId xmlns:a16="http://schemas.microsoft.com/office/drawing/2014/main" id="{5891A4FD-9C9C-6947-83D6-627C28D4C9AE}"/>
                   </a:ext>
                 </a:extLst>
               </p:cNvPr>
@@ -4425,51 +4688,14 @@
               <p:nvPr/>
             </p:nvPicPr>
             <p:blipFill rotWithShape="1">
-              <a:blip r:embed="rId5"/>
-              <a:srcRect l="9848" t="1782" r="5256" b="18561"/>
+              <a:blip r:embed="rId3"/>
+              <a:srcRect l="58001" t="28734" r="10044" b="43032"/>
               <a:stretch/>
             </p:blipFill>
             <p:spPr>
               <a:xfrm>
-                <a:off x="6439194" y="1422797"/>
-                <a:ext cx="4968444" cy="2868210"/>
-              </a:xfrm>
-              <a:prstGeom prst="rect">
-                <a:avLst/>
-              </a:prstGeom>
-              <a:solidFill>
-                <a:schemeClr val="bg1"/>
-              </a:solidFill>
-              <a:ln>
-                <a:solidFill>
-                  <a:srgbClr val="FF0000"/>
-                </a:solidFill>
-              </a:ln>
-            </p:spPr>
-          </p:pic>
-          <p:pic>
-            <p:nvPicPr>
-              <p:cNvPr id="7" name="Picture 6" descr="A screenshot of a computer&#10;&#10;Description automatically generated">
-                <a:extLst>
-                  <a:ext uri="{FF2B5EF4-FFF2-40B4-BE49-F238E27FC236}">
-                    <a16:creationId xmlns:a16="http://schemas.microsoft.com/office/drawing/2014/main" id="{2FEDA6E0-F753-D344-BB18-4BD3B688E2D3}"/>
-                  </a:ext>
-                </a:extLst>
-              </p:cNvPr>
-              <p:cNvPicPr>
-                <a:picLocks noChangeAspect="1"/>
-              </p:cNvPicPr>
-              <p:nvPr/>
-            </p:nvPicPr>
-            <p:blipFill rotWithShape="1">
-              <a:blip r:embed="rId6"/>
-              <a:srcRect l="10077" t="1863" r="7584" b="19509"/>
-              <a:stretch/>
-            </p:blipFill>
-            <p:spPr>
-              <a:xfrm>
-                <a:off x="1370046" y="1602377"/>
-                <a:ext cx="4249773" cy="2431536"/>
+                <a:off x="6543117" y="3302114"/>
+                <a:ext cx="4696529" cy="2486210"/>
               </a:xfrm>
               <a:prstGeom prst="rect">
                 <a:avLst/>
@@ -4481,12 +4707,47 @@
               </a:ln>
             </p:spPr>
           </p:pic>
+          <p:pic>
+            <p:nvPicPr>
+              <p:cNvPr id="40" name="Picture 39" descr="A screenshot of a computer&#10;&#10;Description automatically generated">
+                <a:extLst>
+                  <a:ext uri="{FF2B5EF4-FFF2-40B4-BE49-F238E27FC236}">
+                    <a16:creationId xmlns:a16="http://schemas.microsoft.com/office/drawing/2014/main" id="{1B57FEE6-0D90-404F-9991-2014FD81E70D}"/>
+                  </a:ext>
+                </a:extLst>
+              </p:cNvPr>
+              <p:cNvPicPr>
+                <a:picLocks noChangeAspect="1"/>
+              </p:cNvPicPr>
+              <p:nvPr/>
+            </p:nvPicPr>
+            <p:blipFill rotWithShape="1">
+              <a:blip r:embed="rId4"/>
+              <a:srcRect l="58407" t="33452" r="29970" b="58059"/>
+              <a:stretch/>
+            </p:blipFill>
+            <p:spPr>
+              <a:xfrm>
+                <a:off x="6651061" y="3625412"/>
+                <a:ext cx="1948575" cy="875463"/>
+              </a:xfrm>
+              <a:prstGeom prst="rect">
+                <a:avLst/>
+              </a:prstGeom>
+              <a:solidFill>
+                <a:schemeClr val="bg1"/>
+              </a:solidFill>
+              <a:ln>
+                <a:noFill/>
+              </a:ln>
+            </p:spPr>
+          </p:pic>
           <p:sp>
             <p:nvSpPr>
-              <p:cNvPr id="33" name="Oval 32">
+              <p:cNvPr id="41" name="Oval 40">
                 <a:extLst>
                   <a:ext uri="{FF2B5EF4-FFF2-40B4-BE49-F238E27FC236}">
-                    <a16:creationId xmlns:a16="http://schemas.microsoft.com/office/drawing/2014/main" id="{30E672F3-A8A8-6244-B2A4-C0C9F81E0942}"/>
+                    <a16:creationId xmlns:a16="http://schemas.microsoft.com/office/drawing/2014/main" id="{C7E53F40-6009-8F40-9E53-B4F34630FE72}"/>
                   </a:ext>
                 </a:extLst>
               </p:cNvPr>
@@ -4495,14 +4756,14 @@
             </p:nvSpPr>
             <p:spPr>
               <a:xfrm>
-                <a:off x="9177112" y="2532413"/>
-                <a:ext cx="859446" cy="434211"/>
+                <a:off x="6541309" y="3695454"/>
+                <a:ext cx="2128563" cy="724687"/>
               </a:xfrm>
               <a:prstGeom prst="ellipse">
                 <a:avLst/>
               </a:prstGeom>
               <a:noFill/>
-              <a:ln w="53975">
+              <a:ln w="76200">
                 <a:solidFill>
                   <a:srgbClr val="FF0000"/>
                 </a:solidFill>
@@ -4533,125 +4794,641 @@
               </a:p>
             </p:txBody>
           </p:sp>
-          <p:sp>
-            <p:nvSpPr>
-              <p:cNvPr id="34" name="Down Arrow 33">
+          <p:pic>
+            <p:nvPicPr>
+              <p:cNvPr id="3" name="Picture 2" descr="A person with hat&#10;&#10;Description automatically generated">
                 <a:extLst>
                   <a:ext uri="{FF2B5EF4-FFF2-40B4-BE49-F238E27FC236}">
-                    <a16:creationId xmlns:a16="http://schemas.microsoft.com/office/drawing/2014/main" id="{1919610F-B0F0-BC41-8D01-0BA03815492F}"/>
+                    <a16:creationId xmlns:a16="http://schemas.microsoft.com/office/drawing/2014/main" id="{9C645D6E-427B-304C-AA11-0DAAEE1F063B}"/>
                   </a:ext>
                 </a:extLst>
               </p:cNvPr>
-              <p:cNvSpPr/>
+              <p:cNvPicPr>
+                <a:picLocks noChangeAspect="1"/>
+              </p:cNvPicPr>
               <p:nvPr/>
-            </p:nvSpPr>
+            </p:nvPicPr>
+            <p:blipFill>
+              <a:blip r:embed="rId5"/>
+              <a:stretch>
+                <a:fillRect/>
+              </a:stretch>
+            </p:blipFill>
             <p:spPr>
-              <a:xfrm rot="16200000">
-                <a:off x="5462851" y="2595836"/>
-                <a:ext cx="1108638" cy="528722"/>
+              <a:xfrm>
+                <a:off x="9491424" y="2179348"/>
+                <a:ext cx="651942" cy="651942"/>
               </a:xfrm>
-              <a:prstGeom prst="downArrow">
-                <a:avLst>
-                  <a:gd name="adj1" fmla="val 51985"/>
-                  <a:gd name="adj2" fmla="val 46879"/>
-                </a:avLst>
+              <a:prstGeom prst="rect">
+                <a:avLst/>
               </a:prstGeom>
+            </p:spPr>
+          </p:pic>
+        </p:grpSp>
+        <p:pic>
+          <p:nvPicPr>
+            <p:cNvPr id="5" name="Picture 4">
+              <a:extLst>
+                <a:ext uri="{FF2B5EF4-FFF2-40B4-BE49-F238E27FC236}">
+                  <a16:creationId xmlns:a16="http://schemas.microsoft.com/office/drawing/2014/main" id="{C2E7AF63-8C95-4B41-A03D-8F9E35C7E3BB}"/>
+                </a:ext>
+              </a:extLst>
+            </p:cNvPr>
+            <p:cNvPicPr>
+              <a:picLocks noChangeAspect="1"/>
+            </p:cNvPicPr>
+            <p:nvPr/>
+          </p:nvPicPr>
+          <p:blipFill>
+            <a:blip r:embed="rId6"/>
+            <a:stretch>
+              <a:fillRect/>
+            </a:stretch>
+          </p:blipFill>
+          <p:spPr>
+            <a:xfrm>
+              <a:off x="4500234" y="2599041"/>
+              <a:ext cx="692913" cy="834476"/>
+            </a:xfrm>
+            <a:prstGeom prst="rect">
+              <a:avLst/>
+            </a:prstGeom>
+          </p:spPr>
+        </p:pic>
+        <p:sp>
+          <p:nvSpPr>
+            <p:cNvPr id="31" name="Oval 30">
+              <a:extLst>
+                <a:ext uri="{FF2B5EF4-FFF2-40B4-BE49-F238E27FC236}">
+                  <a16:creationId xmlns:a16="http://schemas.microsoft.com/office/drawing/2014/main" id="{2DEAE776-42AF-6943-93BF-F3A2E851656F}"/>
+                </a:ext>
+              </a:extLst>
+            </p:cNvPr>
+            <p:cNvSpPr/>
+            <p:nvPr/>
+          </p:nvSpPr>
+          <p:spPr>
+            <a:xfrm>
+              <a:off x="1393854" y="4091502"/>
+              <a:ext cx="2128563" cy="724687"/>
+            </a:xfrm>
+            <a:prstGeom prst="ellipse">
+              <a:avLst/>
+            </a:prstGeom>
+            <a:noFill/>
+            <a:ln w="76200">
               <a:solidFill>
                 <a:srgbClr val="FF0000"/>
               </a:solidFill>
-              <a:ln>
-                <a:solidFill>
-                  <a:schemeClr val="bg1"/>
-                </a:solidFill>
-              </a:ln>
-            </p:spPr>
-            <p:style>
-              <a:lnRef idx="2">
-                <a:schemeClr val="accent1">
-                  <a:shade val="50000"/>
-                </a:schemeClr>
-              </a:lnRef>
-              <a:fillRef idx="1">
-                <a:schemeClr val="accent1"/>
-              </a:fillRef>
-              <a:effectRef idx="0">
-                <a:schemeClr val="accent1"/>
-              </a:effectRef>
-              <a:fontRef idx="minor">
-                <a:schemeClr val="lt1"/>
-              </a:fontRef>
-            </p:style>
-            <p:txBody>
-              <a:bodyPr rtlCol="0" anchor="ctr"/>
-              <a:lstStyle/>
-              <a:p>
-                <a:pPr algn="ctr"/>
-                <a:endParaRPr lang="en-US" dirty="0">
-                  <a:solidFill>
-                    <a:srgbClr val="FF0000"/>
-                  </a:solidFill>
-                </a:endParaRPr>
-              </a:p>
-            </p:txBody>
-          </p:sp>
-          <p:sp>
-            <p:nvSpPr>
-              <p:cNvPr id="35" name="Oval 34">
-                <a:extLst>
-                  <a:ext uri="{FF2B5EF4-FFF2-40B4-BE49-F238E27FC236}">
-                    <a16:creationId xmlns:a16="http://schemas.microsoft.com/office/drawing/2014/main" id="{D038FEB1-137C-A742-8F5E-60BE7C0E7A4E}"/>
-                  </a:ext>
-                </a:extLst>
-              </p:cNvPr>
-              <p:cNvSpPr/>
-              <p:nvPr/>
-            </p:nvSpPr>
-            <p:spPr>
-              <a:xfrm>
-                <a:off x="3773670" y="2502714"/>
-                <a:ext cx="859446" cy="434211"/>
-              </a:xfrm>
-              <a:prstGeom prst="ellipse">
-                <a:avLst/>
-              </a:prstGeom>
-              <a:noFill/>
-              <a:ln w="53975">
-                <a:solidFill>
-                  <a:srgbClr val="FF0000"/>
-                </a:solidFill>
-              </a:ln>
-            </p:spPr>
-            <p:style>
-              <a:lnRef idx="2">
-                <a:schemeClr val="accent1">
-                  <a:shade val="50000"/>
-                </a:schemeClr>
-              </a:lnRef>
-              <a:fillRef idx="1">
-                <a:schemeClr val="accent1"/>
-              </a:fillRef>
-              <a:effectRef idx="0">
-                <a:schemeClr val="accent1"/>
-              </a:effectRef>
-              <a:fontRef idx="minor">
-                <a:schemeClr val="lt1"/>
-              </a:fontRef>
-            </p:style>
-            <p:txBody>
-              <a:bodyPr rtlCol="0" anchor="ctr"/>
-              <a:lstStyle/>
-              <a:p>
-                <a:pPr algn="ctr"/>
-                <a:endParaRPr lang="en-US"/>
-              </a:p>
-            </p:txBody>
-          </p:sp>
-        </p:grpSp>
+            </a:ln>
+          </p:spPr>
+          <p:style>
+            <a:lnRef idx="2">
+              <a:schemeClr val="accent1">
+                <a:shade val="50000"/>
+              </a:schemeClr>
+            </a:lnRef>
+            <a:fillRef idx="1">
+              <a:schemeClr val="accent1"/>
+            </a:fillRef>
+            <a:effectRef idx="0">
+              <a:schemeClr val="accent1"/>
+            </a:effectRef>
+            <a:fontRef idx="minor">
+              <a:schemeClr val="lt1"/>
+            </a:fontRef>
+          </p:style>
+          <p:txBody>
+            <a:bodyPr rtlCol="0" anchor="ctr"/>
+            <a:lstStyle/>
+            <a:p>
+              <a:pPr algn="ctr"/>
+              <a:endParaRPr lang="en-US" dirty="0"/>
+            </a:p>
+          </p:txBody>
+        </p:sp>
       </p:grpSp>
     </p:spTree>
     <p:extLst>
       <p:ext uri="{BB962C8B-B14F-4D97-AF65-F5344CB8AC3E}">
-        <p14:creationId xmlns:p14="http://schemas.microsoft.com/office/powerpoint/2010/main" val="440217983"/>
+        <p14:creationId xmlns:p14="http://schemas.microsoft.com/office/powerpoint/2010/main" val="3790639031"/>
+      </p:ext>
+    </p:extLst>
+  </p:cSld>
+  <p:clrMapOvr>
+    <a:masterClrMapping/>
+  </p:clrMapOvr>
+</p:sld>
+</file>
+
+<file path=ppt/slides/slide2.xml><?xml version="1.0" encoding="utf-8"?>
+<p:sld xmlns:a="http://schemas.openxmlformats.org/drawingml/2006/main" xmlns:r="http://schemas.openxmlformats.org/officeDocument/2006/relationships" xmlns:p="http://schemas.openxmlformats.org/presentationml/2006/main">
+  <p:cSld>
+    <p:spTree>
+      <p:nvGrpSpPr>
+        <p:cNvPr id="1" name=""/>
+        <p:cNvGrpSpPr/>
+        <p:nvPr/>
+      </p:nvGrpSpPr>
+      <p:grpSpPr>
+        <a:xfrm>
+          <a:off x="0" y="0"/>
+          <a:ext cx="0" cy="0"/>
+          <a:chOff x="0" y="0"/>
+          <a:chExt cx="0" cy="0"/>
+        </a:xfrm>
+      </p:grpSpPr>
+      <p:sp>
+        <p:nvSpPr>
+          <p:cNvPr id="17" name="Rectangle 16">
+            <a:extLst>
+              <a:ext uri="{FF2B5EF4-FFF2-40B4-BE49-F238E27FC236}">
+                <a16:creationId xmlns:a16="http://schemas.microsoft.com/office/drawing/2014/main" id="{4C2C5472-C418-A74B-8E52-BB2FEA6522D7}"/>
+              </a:ext>
+            </a:extLst>
+          </p:cNvPr>
+          <p:cNvSpPr/>
+          <p:nvPr/>
+        </p:nvSpPr>
+        <p:spPr>
+          <a:xfrm>
+            <a:off x="966865" y="-414414"/>
+            <a:ext cx="11636188" cy="7657008"/>
+          </a:xfrm>
+          <a:prstGeom prst="rect">
+            <a:avLst/>
+          </a:prstGeom>
+          <a:solidFill>
+            <a:srgbClr val="002B72"/>
+          </a:solidFill>
+        </p:spPr>
+        <p:style>
+          <a:lnRef idx="2">
+            <a:schemeClr val="accent1">
+              <a:shade val="50000"/>
+            </a:schemeClr>
+          </a:lnRef>
+          <a:fillRef idx="1">
+            <a:schemeClr val="accent1"/>
+          </a:fillRef>
+          <a:effectRef idx="0">
+            <a:schemeClr val="accent1"/>
+          </a:effectRef>
+          <a:fontRef idx="minor">
+            <a:schemeClr val="lt1"/>
+          </a:fontRef>
+        </p:style>
+        <p:txBody>
+          <a:bodyPr rtlCol="0" anchor="ctr"/>
+          <a:lstStyle/>
+          <a:p>
+            <a:pPr algn="ctr"/>
+            <a:endParaRPr lang="en-US" dirty="0"/>
+          </a:p>
+        </p:txBody>
+      </p:sp>
+      <p:sp>
+        <p:nvSpPr>
+          <p:cNvPr id="25" name="Moon 24">
+            <a:extLst>
+              <a:ext uri="{FF2B5EF4-FFF2-40B4-BE49-F238E27FC236}">
+                <a16:creationId xmlns:a16="http://schemas.microsoft.com/office/drawing/2014/main" id="{599FFC9B-A021-8245-BB12-9E5987E625DC}"/>
+              </a:ext>
+            </a:extLst>
+          </p:cNvPr>
+          <p:cNvSpPr/>
+          <p:nvPr/>
+        </p:nvSpPr>
+        <p:spPr>
+          <a:xfrm rot="13562803">
+            <a:off x="10401938" y="3900067"/>
+            <a:ext cx="2279921" cy="7218300"/>
+          </a:xfrm>
+          <a:prstGeom prst="moon">
+            <a:avLst>
+              <a:gd name="adj" fmla="val 70135"/>
+            </a:avLst>
+          </a:prstGeom>
+          <a:solidFill>
+            <a:srgbClr val="DA3247"/>
+          </a:solidFill>
+          <a:ln>
+            <a:noFill/>
+          </a:ln>
+        </p:spPr>
+        <p:style>
+          <a:lnRef idx="2">
+            <a:schemeClr val="accent1">
+              <a:shade val="50000"/>
+            </a:schemeClr>
+          </a:lnRef>
+          <a:fillRef idx="1">
+            <a:schemeClr val="accent1"/>
+          </a:fillRef>
+          <a:effectRef idx="0">
+            <a:schemeClr val="accent1"/>
+          </a:effectRef>
+          <a:fontRef idx="minor">
+            <a:schemeClr val="lt1"/>
+          </a:fontRef>
+        </p:style>
+        <p:txBody>
+          <a:bodyPr rtlCol="0" anchor="ctr"/>
+          <a:lstStyle/>
+          <a:p>
+            <a:pPr algn="ctr"/>
+            <a:endParaRPr lang="en-US"/>
+          </a:p>
+        </p:txBody>
+      </p:sp>
+      <p:sp>
+        <p:nvSpPr>
+          <p:cNvPr id="26" name="Rectangle 25">
+            <a:extLst>
+              <a:ext uri="{FF2B5EF4-FFF2-40B4-BE49-F238E27FC236}">
+                <a16:creationId xmlns:a16="http://schemas.microsoft.com/office/drawing/2014/main" id="{F560AD31-20E6-014B-AF53-E667F6684F9D}"/>
+              </a:ext>
+            </a:extLst>
+          </p:cNvPr>
+          <p:cNvSpPr/>
+          <p:nvPr/>
+        </p:nvSpPr>
+        <p:spPr>
+          <a:xfrm>
+            <a:off x="185779" y="7174512"/>
+            <a:ext cx="12883243" cy="1519301"/>
+          </a:xfrm>
+          <a:prstGeom prst="rect">
+            <a:avLst/>
+          </a:prstGeom>
+          <a:solidFill>
+            <a:schemeClr val="bg1"/>
+          </a:solidFill>
+        </p:spPr>
+        <p:style>
+          <a:lnRef idx="2">
+            <a:schemeClr val="accent1">
+              <a:shade val="50000"/>
+            </a:schemeClr>
+          </a:lnRef>
+          <a:fillRef idx="1">
+            <a:schemeClr val="accent1"/>
+          </a:fillRef>
+          <a:effectRef idx="0">
+            <a:schemeClr val="accent1"/>
+          </a:effectRef>
+          <a:fontRef idx="minor">
+            <a:schemeClr val="lt1"/>
+          </a:fontRef>
+        </p:style>
+        <p:txBody>
+          <a:bodyPr rtlCol="0" anchor="ctr"/>
+          <a:lstStyle/>
+          <a:p>
+            <a:pPr algn="ctr"/>
+            <a:endParaRPr lang="en-US"/>
+          </a:p>
+        </p:txBody>
+      </p:sp>
+      <p:sp>
+        <p:nvSpPr>
+          <p:cNvPr id="27" name="Rectangle 26">
+            <a:extLst>
+              <a:ext uri="{FF2B5EF4-FFF2-40B4-BE49-F238E27FC236}">
+                <a16:creationId xmlns:a16="http://schemas.microsoft.com/office/drawing/2014/main" id="{DBFD08F5-7AA9-5141-B09A-F0E77EFE7A93}"/>
+              </a:ext>
+            </a:extLst>
+          </p:cNvPr>
+          <p:cNvSpPr/>
+          <p:nvPr/>
+        </p:nvSpPr>
+        <p:spPr>
+          <a:xfrm>
+            <a:off x="11961216" y="-762000"/>
+            <a:ext cx="831699" cy="9220133"/>
+          </a:xfrm>
+          <a:prstGeom prst="rect">
+            <a:avLst/>
+          </a:prstGeom>
+          <a:solidFill>
+            <a:schemeClr val="bg1"/>
+          </a:solidFill>
+        </p:spPr>
+        <p:style>
+          <a:lnRef idx="2">
+            <a:schemeClr val="accent1">
+              <a:shade val="50000"/>
+            </a:schemeClr>
+          </a:lnRef>
+          <a:fillRef idx="1">
+            <a:schemeClr val="accent1"/>
+          </a:fillRef>
+          <a:effectRef idx="0">
+            <a:schemeClr val="accent1"/>
+          </a:effectRef>
+          <a:fontRef idx="minor">
+            <a:schemeClr val="lt1"/>
+          </a:fontRef>
+        </p:style>
+        <p:txBody>
+          <a:bodyPr rtlCol="0" anchor="ctr"/>
+          <a:lstStyle/>
+          <a:p>
+            <a:pPr algn="ctr"/>
+            <a:endParaRPr lang="en-US"/>
+          </a:p>
+        </p:txBody>
+      </p:sp>
+      <p:sp>
+        <p:nvSpPr>
+          <p:cNvPr id="28" name="Moon 27">
+            <a:extLst>
+              <a:ext uri="{FF2B5EF4-FFF2-40B4-BE49-F238E27FC236}">
+                <a16:creationId xmlns:a16="http://schemas.microsoft.com/office/drawing/2014/main" id="{1B1C0637-FDF2-D84E-AE42-1977EC111224}"/>
+              </a:ext>
+            </a:extLst>
+          </p:cNvPr>
+          <p:cNvSpPr/>
+          <p:nvPr/>
+        </p:nvSpPr>
+        <p:spPr>
+          <a:xfrm rot="3028227">
+            <a:off x="-497793" y="-3874014"/>
+            <a:ext cx="3049707" cy="7218300"/>
+          </a:xfrm>
+          <a:prstGeom prst="moon">
+            <a:avLst>
+              <a:gd name="adj" fmla="val 60115"/>
+            </a:avLst>
+          </a:prstGeom>
+          <a:solidFill>
+            <a:schemeClr val="bg1"/>
+          </a:solidFill>
+          <a:ln>
+            <a:noFill/>
+          </a:ln>
+        </p:spPr>
+        <p:style>
+          <a:lnRef idx="2">
+            <a:schemeClr val="accent1">
+              <a:shade val="50000"/>
+            </a:schemeClr>
+          </a:lnRef>
+          <a:fillRef idx="1">
+            <a:schemeClr val="accent1"/>
+          </a:fillRef>
+          <a:effectRef idx="0">
+            <a:schemeClr val="accent1"/>
+          </a:effectRef>
+          <a:fontRef idx="minor">
+            <a:schemeClr val="lt1"/>
+          </a:fontRef>
+        </p:style>
+        <p:txBody>
+          <a:bodyPr rtlCol="0" anchor="ctr"/>
+          <a:lstStyle/>
+          <a:p>
+            <a:pPr algn="ctr"/>
+            <a:endParaRPr lang="en-US"/>
+          </a:p>
+        </p:txBody>
+      </p:sp>
+      <p:sp>
+        <p:nvSpPr>
+          <p:cNvPr id="30" name="Rectangle 29">
+            <a:extLst>
+              <a:ext uri="{FF2B5EF4-FFF2-40B4-BE49-F238E27FC236}">
+                <a16:creationId xmlns:a16="http://schemas.microsoft.com/office/drawing/2014/main" id="{814D5037-129C-D045-87FD-E12047C882E5}"/>
+              </a:ext>
+            </a:extLst>
+          </p:cNvPr>
+          <p:cNvSpPr/>
+          <p:nvPr/>
+        </p:nvSpPr>
+        <p:spPr>
+          <a:xfrm>
+            <a:off x="-430749" y="-5095747"/>
+            <a:ext cx="14116298" cy="4830883"/>
+          </a:xfrm>
+          <a:prstGeom prst="rect">
+            <a:avLst/>
+          </a:prstGeom>
+          <a:solidFill>
+            <a:srgbClr val="EEEBEC"/>
+          </a:solidFill>
+        </p:spPr>
+        <p:style>
+          <a:lnRef idx="2">
+            <a:schemeClr val="accent1">
+              <a:shade val="50000"/>
+            </a:schemeClr>
+          </a:lnRef>
+          <a:fillRef idx="1">
+            <a:schemeClr val="accent1"/>
+          </a:fillRef>
+          <a:effectRef idx="0">
+            <a:schemeClr val="accent1"/>
+          </a:effectRef>
+          <a:fontRef idx="minor">
+            <a:schemeClr val="lt1"/>
+          </a:fontRef>
+        </p:style>
+        <p:txBody>
+          <a:bodyPr rtlCol="0" anchor="ctr"/>
+          <a:lstStyle/>
+          <a:p>
+            <a:pPr algn="ctr"/>
+            <a:r>
+              <a:rPr lang="en-US" dirty="0"/>
+              <a:t> </a:t>
+            </a:r>
+          </a:p>
+        </p:txBody>
+      </p:sp>
+      <p:sp>
+        <p:nvSpPr>
+          <p:cNvPr id="32" name="Rectangle 31">
+            <a:extLst>
+              <a:ext uri="{FF2B5EF4-FFF2-40B4-BE49-F238E27FC236}">
+                <a16:creationId xmlns:a16="http://schemas.microsoft.com/office/drawing/2014/main" id="{095680B3-829C-1341-B19F-225501EF21D1}"/>
+              </a:ext>
+            </a:extLst>
+          </p:cNvPr>
+          <p:cNvSpPr/>
+          <p:nvPr/>
+        </p:nvSpPr>
+        <p:spPr>
+          <a:xfrm rot="5400000">
+            <a:off x="-7863480" y="384269"/>
+            <a:ext cx="14116298" cy="3555732"/>
+          </a:xfrm>
+          <a:prstGeom prst="rect">
+            <a:avLst/>
+          </a:prstGeom>
+          <a:solidFill>
+            <a:srgbClr val="EEEBEC"/>
+          </a:solidFill>
+        </p:spPr>
+        <p:style>
+          <a:lnRef idx="2">
+            <a:schemeClr val="accent1">
+              <a:shade val="50000"/>
+            </a:schemeClr>
+          </a:lnRef>
+          <a:fillRef idx="1">
+            <a:schemeClr val="accent1"/>
+          </a:fillRef>
+          <a:effectRef idx="0">
+            <a:schemeClr val="accent1"/>
+          </a:effectRef>
+          <a:fontRef idx="minor">
+            <a:schemeClr val="lt1"/>
+          </a:fontRef>
+        </p:style>
+        <p:txBody>
+          <a:bodyPr rtlCol="0" anchor="ctr"/>
+          <a:lstStyle/>
+          <a:p>
+            <a:pPr algn="ctr"/>
+            <a:r>
+              <a:rPr lang="en-US" dirty="0"/>
+              <a:t> </a:t>
+            </a:r>
+          </a:p>
+        </p:txBody>
+      </p:sp>
+      <p:sp>
+        <p:nvSpPr>
+          <p:cNvPr id="22" name="Rectangle 21">
+            <a:extLst>
+              <a:ext uri="{FF2B5EF4-FFF2-40B4-BE49-F238E27FC236}">
+                <a16:creationId xmlns:a16="http://schemas.microsoft.com/office/drawing/2014/main" id="{0A9DDE20-4F4D-B149-A51B-2738F8F3B2AD}"/>
+              </a:ext>
+            </a:extLst>
+          </p:cNvPr>
+          <p:cNvSpPr/>
+          <p:nvPr/>
+        </p:nvSpPr>
+        <p:spPr>
+          <a:xfrm>
+            <a:off x="5536182" y="1689137"/>
+            <a:ext cx="6148927" cy="3508653"/>
+          </a:xfrm>
+          <a:prstGeom prst="rect">
+            <a:avLst/>
+          </a:prstGeom>
+          <a:noFill/>
+        </p:spPr>
+        <p:txBody>
+          <a:bodyPr wrap="none" lIns="91440" tIns="45720" rIns="91440" bIns="45720">
+            <a:spAutoFit/>
+          </a:bodyPr>
+          <a:lstStyle/>
+          <a:p>
+            <a:r>
+              <a:rPr lang="en-GB" sz="4400" b="1" i="1" dirty="0">
+                <a:ln w="22225">
+                  <a:solidFill>
+                    <a:schemeClr val="bg1"/>
+                  </a:solidFill>
+                  <a:prstDash val="solid"/>
+                </a:ln>
+                <a:solidFill>
+                  <a:srgbClr val="7DCBF6"/>
+                </a:solidFill>
+              </a:rPr>
+              <a:t>DETERMINE THE</a:t>
+            </a:r>
+          </a:p>
+          <a:p>
+            <a:r>
+              <a:rPr lang="en-GB" sz="8800" b="1" dirty="0">
+                <a:ln w="22225">
+                  <a:solidFill>
+                    <a:schemeClr val="bg1"/>
+                  </a:solidFill>
+                  <a:prstDash val="solid"/>
+                </a:ln>
+                <a:solidFill>
+                  <a:srgbClr val="FF0000"/>
+                </a:solidFill>
+              </a:rPr>
+              <a:t>YANG SCORE</a:t>
+            </a:r>
+          </a:p>
+          <a:p>
+            <a:r>
+              <a:rPr lang="en-GB" sz="3600" b="1" i="1" dirty="0">
+                <a:ln w="22225">
+                  <a:solidFill>
+                    <a:schemeClr val="bg1"/>
+                  </a:solidFill>
+                  <a:prstDash val="solid"/>
+                </a:ln>
+                <a:solidFill>
+                  <a:srgbClr val="7DCBF6"/>
+                </a:solidFill>
+              </a:rPr>
+              <a:t>OF ANY WEBSITE</a:t>
+            </a:r>
+          </a:p>
+          <a:p>
+            <a:pPr algn="ctr"/>
+            <a:endParaRPr lang="en-GB" sz="5400" b="1" cap="none" spc="0" dirty="0">
+              <a:ln w="9525">
+                <a:solidFill>
+                  <a:schemeClr val="bg1"/>
+                </a:solidFill>
+                <a:prstDash val="solid"/>
+              </a:ln>
+              <a:solidFill>
+                <a:srgbClr val="FF0000"/>
+              </a:solidFill>
+              <a:effectLst>
+                <a:outerShdw blurRad="12700" dist="38100" dir="2700000" algn="tl" rotWithShape="0">
+                  <a:schemeClr val="accent5">
+                    <a:lumMod val="60000"/>
+                    <a:lumOff val="40000"/>
+                  </a:schemeClr>
+                </a:outerShdw>
+              </a:effectLst>
+            </a:endParaRPr>
+          </a:p>
+        </p:txBody>
+      </p:sp>
+      <p:pic>
+        <p:nvPicPr>
+          <p:cNvPr id="3" name="Picture 2" descr="A screenshot of a cell phone&#10;&#10;Description automatically generated">
+            <a:extLst>
+              <a:ext uri="{FF2B5EF4-FFF2-40B4-BE49-F238E27FC236}">
+                <a16:creationId xmlns:a16="http://schemas.microsoft.com/office/drawing/2014/main" id="{B56246A2-5D25-0E4D-BFF6-B257C1EFD03A}"/>
+              </a:ext>
+            </a:extLst>
+          </p:cNvPr>
+          <p:cNvPicPr>
+            <a:picLocks noChangeAspect="1"/>
+          </p:cNvPicPr>
+          <p:nvPr/>
+        </p:nvPicPr>
+        <p:blipFill rotWithShape="1">
+          <a:blip r:embed="rId3"/>
+          <a:srcRect r="744" b="1199"/>
+          <a:stretch/>
+        </p:blipFill>
+        <p:spPr>
+          <a:xfrm>
+            <a:off x="1818683" y="753892"/>
+            <a:ext cx="2981091" cy="5200695"/>
+          </a:xfrm>
+          <a:prstGeom prst="rect">
+            <a:avLst/>
+          </a:prstGeom>
+        </p:spPr>
+      </p:pic>
+    </p:spTree>
+    <p:extLst>
+      <p:ext uri="{BB962C8B-B14F-4D97-AF65-F5344CB8AC3E}">
+        <p14:creationId xmlns:p14="http://schemas.microsoft.com/office/powerpoint/2010/main" val="3082713013"/>
       </p:ext>
     </p:extLst>
   </p:cSld>
